--- a/provisioning/hierarchy/resources/documents/Contoso_Report.pptx
+++ b/provisioning/hierarchy/resources/documents/Contoso_Report.pptx
@@ -5,10 +5,10 @@
     <p:sldMasterId id="2147484229" r:id="rId4"/>
   </p:sldMasterIdLst>
   <p:notesMasterIdLst>
-    <p:notesMasterId r:id="rId12"/>
+    <p:notesMasterId r:id="rId13"/>
   </p:notesMasterIdLst>
   <p:handoutMasterIdLst>
-    <p:handoutMasterId r:id="rId13"/>
+    <p:handoutMasterId r:id="rId14"/>
   </p:handoutMasterIdLst>
   <p:sldIdLst>
     <p:sldId id="1567" r:id="rId5"/>
@@ -16,8 +16,9 @@
     <p:sldId id="1585" r:id="rId7"/>
     <p:sldId id="1587" r:id="rId8"/>
     <p:sldId id="1588" r:id="rId9"/>
-    <p:sldId id="1589" r:id="rId10"/>
-    <p:sldId id="1532" r:id="rId11"/>
+    <p:sldId id="1590" r:id="rId10"/>
+    <p:sldId id="1589" r:id="rId11"/>
+    <p:sldId id="1532" r:id="rId12"/>
   </p:sldIdLst>
   <p:sldSz cx="12436475" cy="6994525"/>
   <p:notesSz cx="6858000" cy="9144000"/>
@@ -2904,7 +2905,7 @@
               <a:rPr lang="en-US" smtClean="0">
                 <a:latin typeface="Segoe UI" pitchFamily="34" charset="0"/>
               </a:rPr>
-              <a:t>5/15/2018 11:02 AM</a:t>
+              <a:t>9/20/2018 5:23 PM</a:t>
             </a:fld>
             <a:endParaRPr lang="en-US" dirty="0">
               <a:latin typeface="Segoe UI" pitchFamily="34" charset="0"/>
@@ -3198,7 +3199,7 @@
           <a:p>
             <a:fld id="{D18B56EA-E28F-4F92-9F16-7A6F2501B303}" type="datetime8">
               <a:rPr lang="en-US" smtClean="0"/>
-              <a:t>5/15/2018 11:02 AM</a:t>
+              <a:t>9/20/2018 5:22 PM</a:t>
             </a:fld>
             <a:endParaRPr lang="en-US" dirty="0"/>
           </a:p>
@@ -3581,7 +3582,7 @@
           <a:p>
             <a:fld id="{C1C3D530-3419-45A5-AB8A-2242E8FDFF4E}" type="datetime8">
               <a:rPr lang="en-US" smtClean="0"/>
-              <a:t>5/15/2018 11:02 AM</a:t>
+              <a:t>9/20/2018 5:22 PM</a:t>
             </a:fld>
             <a:endParaRPr lang="en-US" dirty="0"/>
           </a:p>
@@ -3762,7 +3763,7 @@
           <a:p>
             <a:fld id="{D18B56EA-E28F-4F92-9F16-7A6F2501B303}" type="datetime8">
               <a:rPr lang="en-US" smtClean="0"/>
-              <a:t>5/15/2018 11:19 AM</a:t>
+              <a:t>9/20/2018 5:22 PM</a:t>
             </a:fld>
             <a:endParaRPr lang="en-US" dirty="0"/>
           </a:p>
@@ -3943,7 +3944,7 @@
           <a:p>
             <a:fld id="{D18B56EA-E28F-4F92-9F16-7A6F2501B303}" type="datetime8">
               <a:rPr lang="en-US" smtClean="0"/>
-              <a:t>5/15/2018 11:02 AM</a:t>
+              <a:t>9/20/2018 5:22 PM</a:t>
             </a:fld>
             <a:endParaRPr lang="en-US" dirty="0"/>
           </a:p>
@@ -4124,7 +4125,7 @@
           <a:p>
             <a:fld id="{D18B56EA-E28F-4F92-9F16-7A6F2501B303}" type="datetime8">
               <a:rPr lang="en-US" smtClean="0"/>
-              <a:t>5/15/2018 11:02 AM</a:t>
+              <a:t>9/20/2018 5:22 PM</a:t>
             </a:fld>
             <a:endParaRPr lang="en-US" dirty="0"/>
           </a:p>
@@ -4305,7 +4306,7 @@
           <a:p>
             <a:fld id="{D18B56EA-E28F-4F92-9F16-7A6F2501B303}" type="datetime8">
               <a:rPr lang="en-US" smtClean="0"/>
-              <a:t>5/15/2018 11:25 AM</a:t>
+              <a:t>9/20/2018 5:22 PM</a:t>
             </a:fld>
             <a:endParaRPr lang="en-US" dirty="0"/>
           </a:p>
@@ -4486,7 +4487,7 @@
           <a:p>
             <a:fld id="{D18B56EA-E28F-4F92-9F16-7A6F2501B303}" type="datetime8">
               <a:rPr lang="en-US" smtClean="0"/>
-              <a:t>5/15/2018 11:02 AM</a:t>
+              <a:t>9/20/2018 5:22 PM</a:t>
             </a:fld>
             <a:endParaRPr lang="en-US" dirty="0"/>
           </a:p>
@@ -4510,7 +4511,7 @@
             <a:fld id="{B4008EB6-D09E-4580-8CD6-DDB14511944F}" type="slidenum">
               <a:rPr lang="en-US" smtClean="0"/>
               <a:pPr/>
-              <a:t>6</a:t>
+              <a:t>7</a:t>
             </a:fld>
             <a:endParaRPr lang="en-US" dirty="0"/>
           </a:p>
@@ -4636,7 +4637,7 @@
                   <a:prstClr val="black"/>
                 </a:solidFill>
               </a:rPr>
-              <a:t>5/15/2018 11:02 AM</a:t>
+              <a:t>9/20/2018 5:22 PM</a:t>
             </a:fld>
             <a:endParaRPr lang="en-US" dirty="0">
               <a:solidFill>
@@ -4668,7 +4669,7 @@
                 </a:solidFill>
               </a:rPr>
               <a:pPr/>
-              <a:t>7</a:t>
+              <a:t>8</a:t>
             </a:fld>
             <a:endParaRPr lang="en-US" dirty="0">
               <a:solidFill>
@@ -4857,36 +4858,6 @@
           </a:p>
         </p:txBody>
       </p:sp>
-      <p:pic>
-        <p:nvPicPr>
-          <p:cNvPr id="6" name="Picture 5">
-            <a:extLst>
-              <a:ext uri="{FF2B5EF4-FFF2-40B4-BE49-F238E27FC236}">
-                <a16:creationId xmlns:a16="http://schemas.microsoft.com/office/drawing/2014/main" id="{A23F9363-A928-42D1-95BC-C0BC6DED977B}"/>
-              </a:ext>
-            </a:extLst>
-          </p:cNvPr>
-          <p:cNvPicPr>
-            <a:picLocks noChangeAspect="1"/>
-          </p:cNvPicPr>
-          <p:nvPr userDrawn="1"/>
-        </p:nvPicPr>
-        <p:blipFill>
-          <a:blip r:embed="rId2"/>
-          <a:stretch>
-            <a:fillRect/>
-          </a:stretch>
-        </p:blipFill>
-        <p:spPr>
-          <a:xfrm>
-            <a:off x="328255" y="182519"/>
-            <a:ext cx="1798476" cy="664522"/>
-          </a:xfrm>
-          <a:prstGeom prst="rect">
-            <a:avLst/>
-          </a:prstGeom>
-        </p:spPr>
-      </p:pic>
     </p:spTree>
     <p:extLst>
       <p:ext uri="{BB962C8B-B14F-4D97-AF65-F5344CB8AC3E}">
@@ -7197,36 +7168,6 @@
           </a:p>
         </p:txBody>
       </p:sp>
-      <p:pic>
-        <p:nvPicPr>
-          <p:cNvPr id="4" name="Picture 3">
-            <a:extLst>
-              <a:ext uri="{FF2B5EF4-FFF2-40B4-BE49-F238E27FC236}">
-                <a16:creationId xmlns:a16="http://schemas.microsoft.com/office/drawing/2014/main" id="{945BE61B-C798-4081-B5E2-ED400467927E}"/>
-              </a:ext>
-            </a:extLst>
-          </p:cNvPr>
-          <p:cNvPicPr>
-            <a:picLocks noChangeAspect="1"/>
-          </p:cNvPicPr>
-          <p:nvPr userDrawn="1"/>
-        </p:nvPicPr>
-        <p:blipFill>
-          <a:blip r:embed="rId2"/>
-          <a:stretch>
-            <a:fillRect/>
-          </a:stretch>
-        </p:blipFill>
-        <p:spPr>
-          <a:xfrm>
-            <a:off x="328255" y="182519"/>
-            <a:ext cx="1798476" cy="664522"/>
-          </a:xfrm>
-          <a:prstGeom prst="rect">
-            <a:avLst/>
-          </a:prstGeom>
-        </p:spPr>
-      </p:pic>
     </p:spTree>
     <p:extLst>
       <p:ext uri="{BB962C8B-B14F-4D97-AF65-F5344CB8AC3E}">
@@ -7364,36 +7305,6 @@
           </a:p>
         </p:txBody>
       </p:sp>
-      <p:pic>
-        <p:nvPicPr>
-          <p:cNvPr id="10" name="Picture 9">
-            <a:extLst>
-              <a:ext uri="{FF2B5EF4-FFF2-40B4-BE49-F238E27FC236}">
-                <a16:creationId xmlns:a16="http://schemas.microsoft.com/office/drawing/2014/main" id="{B23C9ABE-08E7-4465-B863-4936945B3EF6}"/>
-              </a:ext>
-            </a:extLst>
-          </p:cNvPr>
-          <p:cNvPicPr>
-            <a:picLocks noChangeAspect="1"/>
-          </p:cNvPicPr>
-          <p:nvPr userDrawn="1"/>
-        </p:nvPicPr>
-        <p:blipFill>
-          <a:blip r:embed="rId2"/>
-          <a:stretch>
-            <a:fillRect/>
-          </a:stretch>
-        </p:blipFill>
-        <p:spPr>
-          <a:xfrm>
-            <a:off x="328255" y="182519"/>
-            <a:ext cx="1798476" cy="664522"/>
-          </a:xfrm>
-          <a:prstGeom prst="rect">
-            <a:avLst/>
-          </a:prstGeom>
-        </p:spPr>
-      </p:pic>
     </p:spTree>
     <p:extLst>
       <p:ext uri="{BB962C8B-B14F-4D97-AF65-F5344CB8AC3E}">
@@ -7483,36 +7394,6 @@
           </a:p>
         </p:txBody>
       </p:sp>
-      <p:pic>
-        <p:nvPicPr>
-          <p:cNvPr id="7" name="Picture 6">
-            <a:extLst>
-              <a:ext uri="{FF2B5EF4-FFF2-40B4-BE49-F238E27FC236}">
-                <a16:creationId xmlns:a16="http://schemas.microsoft.com/office/drawing/2014/main" id="{2A0CAE21-FFF6-42EC-84E0-E4A6F9CF7A54}"/>
-              </a:ext>
-            </a:extLst>
-          </p:cNvPr>
-          <p:cNvPicPr>
-            <a:picLocks noChangeAspect="1"/>
-          </p:cNvPicPr>
-          <p:nvPr userDrawn="1"/>
-        </p:nvPicPr>
-        <p:blipFill>
-          <a:blip r:embed="rId2"/>
-          <a:stretch>
-            <a:fillRect/>
-          </a:stretch>
-        </p:blipFill>
-        <p:spPr>
-          <a:xfrm>
-            <a:off x="328255" y="182519"/>
-            <a:ext cx="1798476" cy="664522"/>
-          </a:xfrm>
-          <a:prstGeom prst="rect">
-            <a:avLst/>
-          </a:prstGeom>
-        </p:spPr>
-      </p:pic>
     </p:spTree>
     <p:extLst>
       <p:ext uri="{BB962C8B-B14F-4D97-AF65-F5344CB8AC3E}">
@@ -7615,36 +7496,6 @@
           </a:p>
         </p:txBody>
       </p:sp>
-      <p:pic>
-        <p:nvPicPr>
-          <p:cNvPr id="4" name="Picture 3">
-            <a:extLst>
-              <a:ext uri="{FF2B5EF4-FFF2-40B4-BE49-F238E27FC236}">
-                <a16:creationId xmlns:a16="http://schemas.microsoft.com/office/drawing/2014/main" id="{18468E4E-1A3B-49AF-93F1-FB17F0BFBC4E}"/>
-              </a:ext>
-            </a:extLst>
-          </p:cNvPr>
-          <p:cNvPicPr>
-            <a:picLocks noChangeAspect="1"/>
-          </p:cNvPicPr>
-          <p:nvPr userDrawn="1"/>
-        </p:nvPicPr>
-        <p:blipFill>
-          <a:blip r:embed="rId2"/>
-          <a:stretch>
-            <a:fillRect/>
-          </a:stretch>
-        </p:blipFill>
-        <p:spPr>
-          <a:xfrm>
-            <a:off x="328255" y="182519"/>
-            <a:ext cx="1798476" cy="664522"/>
-          </a:xfrm>
-          <a:prstGeom prst="rect">
-            <a:avLst/>
-          </a:prstGeom>
-        </p:spPr>
-      </p:pic>
     </p:spTree>
     <p:extLst>
       <p:ext uri="{BB962C8B-B14F-4D97-AF65-F5344CB8AC3E}">
@@ -9249,10 +9100,10 @@
       </p:grpSpPr>
       <p:pic>
         <p:nvPicPr>
-          <p:cNvPr id="6" name="Picture 5" descr="A person standing in front of a window&#10;&#10;Description generated with high confidence">
+          <p:cNvPr id="3" name="Picture 2" descr="A picture containing person, indoor, wall, laptop&#10;&#10;Description generated with very high confidence">
             <a:extLst>
               <a:ext uri="{FF2B5EF4-FFF2-40B4-BE49-F238E27FC236}">
-                <a16:creationId xmlns:a16="http://schemas.microsoft.com/office/drawing/2014/main" id="{3337B3D1-1C0C-4363-A17A-8970A474AE74}"/>
+                <a16:creationId xmlns:a16="http://schemas.microsoft.com/office/drawing/2014/main" id="{14CE95B8-CFF2-4A61-BDA3-C58DF80CE1AB}"/>
               </a:ext>
             </a:extLst>
           </p:cNvPr>
@@ -9262,15 +9113,21 @@
           <p:nvPr userDrawn="1"/>
         </p:nvPicPr>
         <p:blipFill>
-          <a:blip r:embed="rId2"/>
+          <a:blip r:embed="rId2" cstate="screen">
+            <a:extLst>
+              <a:ext uri="{28A0092B-C50C-407E-A947-70E740481C1C}">
+                <a14:useLocalDpi xmlns:a14="http://schemas.microsoft.com/office/drawing/2010/main"/>
+              </a:ext>
+            </a:extLst>
+          </a:blip>
           <a:stretch>
             <a:fillRect/>
           </a:stretch>
         </p:blipFill>
         <p:spPr>
           <a:xfrm>
-            <a:off x="1942064" y="-1"/>
-            <a:ext cx="10494411" cy="6994525"/>
+            <a:off x="1956079" y="-1"/>
+            <a:ext cx="10480396" cy="6994525"/>
           </a:xfrm>
           <a:prstGeom prst="rect">
             <a:avLst/>
@@ -9464,10 +9321,10 @@
       </p:sp>
       <p:pic>
         <p:nvPicPr>
-          <p:cNvPr id="11" name="Picture 10">
+          <p:cNvPr id="7" name="Picture 6">
             <a:extLst>
               <a:ext uri="{FF2B5EF4-FFF2-40B4-BE49-F238E27FC236}">
-                <a16:creationId xmlns:a16="http://schemas.microsoft.com/office/drawing/2014/main" id="{28E8E5D8-8BD0-4559-8270-3C675DB19B8B}"/>
+                <a16:creationId xmlns:a16="http://schemas.microsoft.com/office/drawing/2014/main" id="{86F54487-B530-4D06-8C75-6A423FE405E4}"/>
               </a:ext>
             </a:extLst>
           </p:cNvPr>
@@ -9484,8 +9341,8 @@
         </p:blipFill>
         <p:spPr>
           <a:xfrm>
-            <a:off x="328255" y="182519"/>
-            <a:ext cx="1798476" cy="664522"/>
+            <a:off x="77702" y="159674"/>
+            <a:ext cx="4113243" cy="747239"/>
           </a:xfrm>
           <a:prstGeom prst="rect">
             <a:avLst/>
@@ -9941,10 +9798,10 @@
       </p:grpSpPr>
       <p:pic>
         <p:nvPicPr>
-          <p:cNvPr id="6" name="Picture 5" descr="A group of people sitting at a table&#10;&#10;Description generated with high confidence">
+          <p:cNvPr id="5" name="Picture 4" descr="A picture containing outdoor, sky, water, nature&#10;&#10;Description generated with very high confidence">
             <a:extLst>
               <a:ext uri="{FF2B5EF4-FFF2-40B4-BE49-F238E27FC236}">
-                <a16:creationId xmlns:a16="http://schemas.microsoft.com/office/drawing/2014/main" id="{DF38991C-D486-417C-94DA-443EBE399008}"/>
+                <a16:creationId xmlns:a16="http://schemas.microsoft.com/office/drawing/2014/main" id="{67E7FB33-EF04-40D4-8312-48DFEAA44BC0}"/>
               </a:ext>
             </a:extLst>
           </p:cNvPr>
@@ -9954,14 +9811,20 @@
           <p:nvPr userDrawn="1"/>
         </p:nvPicPr>
         <p:blipFill rotWithShape="1">
-          <a:blip r:embed="rId2"/>
-          <a:srcRect t="15608"/>
+          <a:blip r:embed="rId2" cstate="print">
+            <a:extLst>
+              <a:ext uri="{28A0092B-C50C-407E-A947-70E740481C1C}">
+                <a14:useLocalDpi xmlns:a14="http://schemas.microsoft.com/office/drawing/2010/main"/>
+              </a:ext>
+            </a:extLst>
+          </a:blip>
+          <a:srcRect/>
           <a:stretch/>
         </p:blipFill>
         <p:spPr>
-          <a:xfrm>
-            <a:off x="0" y="-955"/>
-            <a:ext cx="12436475" cy="6995160"/>
+          <a:xfrm flipH="1">
+            <a:off x="0" y="-321"/>
+            <a:ext cx="12519217" cy="6994845"/>
           </a:xfrm>
           <a:prstGeom prst="rect">
             <a:avLst/>
@@ -10242,6 +10105,42 @@
           </a:p>
         </p:txBody>
       </p:sp>
+      <p:pic>
+        <p:nvPicPr>
+          <p:cNvPr id="9" name="Picture 8">
+            <a:extLst>
+              <a:ext uri="{FF2B5EF4-FFF2-40B4-BE49-F238E27FC236}">
+                <a16:creationId xmlns:a16="http://schemas.microsoft.com/office/drawing/2014/main" id="{6B7AF781-3408-4CC7-B7C6-4F67753FA05E}"/>
+              </a:ext>
+            </a:extLst>
+          </p:cNvPr>
+          <p:cNvPicPr>
+            <a:picLocks noChangeAspect="1"/>
+          </p:cNvPicPr>
+          <p:nvPr userDrawn="1"/>
+        </p:nvPicPr>
+        <p:blipFill>
+          <a:blip r:embed="rId3" cstate="print">
+            <a:extLst>
+              <a:ext uri="{28A0092B-C50C-407E-A947-70E740481C1C}">
+                <a14:useLocalDpi xmlns:a14="http://schemas.microsoft.com/office/drawing/2010/main"/>
+              </a:ext>
+            </a:extLst>
+          </a:blip>
+          <a:stretch>
+            <a:fillRect/>
+          </a:stretch>
+        </p:blipFill>
+        <p:spPr>
+          <a:xfrm>
+            <a:off x="10041467" y="6474188"/>
+            <a:ext cx="2477750" cy="450125"/>
+          </a:xfrm>
+          <a:prstGeom prst="rect">
+            <a:avLst/>
+          </a:prstGeom>
+        </p:spPr>
+      </p:pic>
     </p:spTree>
     <p:extLst>
       <p:ext uri="{BB962C8B-B14F-4D97-AF65-F5344CB8AC3E}">
@@ -16861,6 +16760,42 @@
           <a:xfrm rot="5400000">
             <a:off x="9363858" y="3071982"/>
             <a:ext cx="6995160" cy="849926"/>
+          </a:xfrm>
+          <a:prstGeom prst="rect">
+            <a:avLst/>
+          </a:prstGeom>
+        </p:spPr>
+      </p:pic>
+      <p:pic>
+        <p:nvPicPr>
+          <p:cNvPr id="6" name="Picture 5">
+            <a:extLst>
+              <a:ext uri="{FF2B5EF4-FFF2-40B4-BE49-F238E27FC236}">
+                <a16:creationId xmlns:a16="http://schemas.microsoft.com/office/drawing/2014/main" id="{2F6DB6BA-6ACB-44D3-A27F-039D38D37501}"/>
+              </a:ext>
+            </a:extLst>
+          </p:cNvPr>
+          <p:cNvPicPr>
+            <a:picLocks noChangeAspect="1"/>
+          </p:cNvPicPr>
+          <p:nvPr userDrawn="1"/>
+        </p:nvPicPr>
+        <p:blipFill>
+          <a:blip r:embed="rId35" cstate="print">
+            <a:extLst>
+              <a:ext uri="{28A0092B-C50C-407E-A947-70E740481C1C}">
+                <a14:useLocalDpi xmlns:a14="http://schemas.microsoft.com/office/drawing/2010/main"/>
+              </a:ext>
+            </a:extLst>
+          </a:blip>
+          <a:stretch>
+            <a:fillRect/>
+          </a:stretch>
+        </p:blipFill>
+        <p:spPr>
+          <a:xfrm>
+            <a:off x="10041467" y="6474188"/>
+            <a:ext cx="2477750" cy="450125"/>
           </a:xfrm>
           <a:prstGeom prst="rect">
             <a:avLst/>
@@ -17459,14 +17394,15 @@
           <a:lstStyle/>
           <a:p>
             <a:r>
-              <a:rPr lang="en-US" dirty="0"/>
-              <a:t>Executive Team</a:t>
-            </a:r>
-          </a:p>
-          <a:p>
-            <a:r>
-              <a:rPr lang="en-US" dirty="0"/>
-              <a:t>April 2018</a:t>
+              <a:rPr lang="en-US"/>
+              <a:t>Executive Team </a:t>
+            </a:r>
+            <a:endParaRPr lang="en-US" dirty="0"/>
+          </a:p>
+          <a:p>
+            <a:r>
+              <a:rPr lang="en-US" dirty="0"/>
+              <a:t>September 2018</a:t>
             </a:r>
           </a:p>
         </p:txBody>
@@ -17525,6 +17461,13 @@
         </p:nvPicPr>
         <p:blipFill rotWithShape="1">
           <a:blip r:embed="rId3" cstate="screen">
+            <a:duotone>
+              <a:schemeClr val="accent1">
+                <a:shade val="45000"/>
+                <a:satMod val="135000"/>
+              </a:schemeClr>
+              <a:prstClr val="white"/>
+            </a:duotone>
             <a:extLst>
               <a:ext uri="{28A0092B-C50C-407E-A947-70E740481C1C}">
                 <a14:useLocalDpi xmlns:a14="http://schemas.microsoft.com/office/drawing/2010/main"/>
@@ -22331,23 +22274,12 @@
             </a:pathLst>
           </a:custGeom>
           <a:solidFill>
-            <a:srgbClr val="D83B01"/>
+            <a:schemeClr val="accent1"/>
           </a:solidFill>
           <a:ln>
             <a:noFill/>
           </a:ln>
-          <a:extLst>
-            <a:ext uri="{91240B29-F687-4F45-9708-019B960494DF}">
-              <a14:hiddenLine xmlns:a14="http://schemas.microsoft.com/office/drawing/2010/main" w="9525">
-                <a:solidFill>
-                  <a:srgbClr val="000000"/>
-                </a:solidFill>
-                <a:round/>
-                <a:headEnd/>
-                <a:tailEnd/>
-              </a14:hiddenLine>
-            </a:ext>
-          </a:extLst>
+          <a:extLst/>
         </p:spPr>
         <p:txBody>
           <a:bodyPr vert="horz" wrap="square" lIns="91440" tIns="45720" rIns="91440" bIns="45720" numCol="1" anchor="t" anchorCtr="0" compatLnSpc="1">
@@ -22528,23 +22460,12 @@
             </a:pathLst>
           </a:custGeom>
           <a:solidFill>
-            <a:srgbClr val="D83B01"/>
+            <a:schemeClr val="accent1"/>
           </a:solidFill>
           <a:ln>
             <a:noFill/>
           </a:ln>
-          <a:extLst>
-            <a:ext uri="{91240B29-F687-4F45-9708-019B960494DF}">
-              <a14:hiddenLine xmlns:a14="http://schemas.microsoft.com/office/drawing/2010/main" w="9525">
-                <a:solidFill>
-                  <a:srgbClr val="000000"/>
-                </a:solidFill>
-                <a:round/>
-                <a:headEnd/>
-                <a:tailEnd/>
-              </a14:hiddenLine>
-            </a:ext>
-          </a:extLst>
+          <a:extLst/>
         </p:spPr>
         <p:txBody>
           <a:bodyPr vert="horz" wrap="square" lIns="91440" tIns="45720" rIns="91440" bIns="45720" numCol="1" anchor="t" anchorCtr="0" compatLnSpc="1">
@@ -22725,23 +22646,12 @@
             </a:pathLst>
           </a:custGeom>
           <a:solidFill>
-            <a:srgbClr val="D83B01"/>
+            <a:schemeClr val="accent1"/>
           </a:solidFill>
           <a:ln>
             <a:noFill/>
           </a:ln>
-          <a:extLst>
-            <a:ext uri="{91240B29-F687-4F45-9708-019B960494DF}">
-              <a14:hiddenLine xmlns:a14="http://schemas.microsoft.com/office/drawing/2010/main" w="9525">
-                <a:solidFill>
-                  <a:srgbClr val="000000"/>
-                </a:solidFill>
-                <a:round/>
-                <a:headEnd/>
-                <a:tailEnd/>
-              </a14:hiddenLine>
-            </a:ext>
-          </a:extLst>
+          <a:extLst/>
         </p:spPr>
         <p:txBody>
           <a:bodyPr vert="horz" wrap="square" lIns="91440" tIns="45720" rIns="91440" bIns="45720" numCol="1" anchor="t" anchorCtr="0" compatLnSpc="1">
@@ -22922,23 +22832,12 @@
             </a:pathLst>
           </a:custGeom>
           <a:solidFill>
-            <a:srgbClr val="D83B01"/>
+            <a:schemeClr val="accent1"/>
           </a:solidFill>
           <a:ln>
             <a:noFill/>
           </a:ln>
-          <a:extLst>
-            <a:ext uri="{91240B29-F687-4F45-9708-019B960494DF}">
-              <a14:hiddenLine xmlns:a14="http://schemas.microsoft.com/office/drawing/2010/main" w="9525">
-                <a:solidFill>
-                  <a:srgbClr val="000000"/>
-                </a:solidFill>
-                <a:round/>
-                <a:headEnd/>
-                <a:tailEnd/>
-              </a14:hiddenLine>
-            </a:ext>
-          </a:extLst>
+          <a:extLst/>
         </p:spPr>
         <p:txBody>
           <a:bodyPr vert="horz" wrap="square" lIns="91440" tIns="45720" rIns="91440" bIns="45720" numCol="1" anchor="t" anchorCtr="0" compatLnSpc="1">
@@ -23119,23 +23018,12 @@
             </a:pathLst>
           </a:custGeom>
           <a:solidFill>
-            <a:srgbClr val="D83B01"/>
+            <a:schemeClr val="accent1"/>
           </a:solidFill>
           <a:ln>
             <a:noFill/>
           </a:ln>
-          <a:extLst>
-            <a:ext uri="{91240B29-F687-4F45-9708-019B960494DF}">
-              <a14:hiddenLine xmlns:a14="http://schemas.microsoft.com/office/drawing/2010/main" w="9525">
-                <a:solidFill>
-                  <a:srgbClr val="000000"/>
-                </a:solidFill>
-                <a:round/>
-                <a:headEnd/>
-                <a:tailEnd/>
-              </a14:hiddenLine>
-            </a:ext>
-          </a:extLst>
+          <a:extLst/>
         </p:spPr>
         <p:txBody>
           <a:bodyPr vert="horz" wrap="square" lIns="91440" tIns="45720" rIns="91440" bIns="45720" numCol="1" anchor="t" anchorCtr="0" compatLnSpc="1">
@@ -23316,23 +23204,12 @@
             </a:pathLst>
           </a:custGeom>
           <a:solidFill>
-            <a:srgbClr val="D83B01"/>
+            <a:schemeClr val="accent1"/>
           </a:solidFill>
           <a:ln>
             <a:noFill/>
           </a:ln>
-          <a:extLst>
-            <a:ext uri="{91240B29-F687-4F45-9708-019B960494DF}">
-              <a14:hiddenLine xmlns:a14="http://schemas.microsoft.com/office/drawing/2010/main" w="9525">
-                <a:solidFill>
-                  <a:srgbClr val="000000"/>
-                </a:solidFill>
-                <a:round/>
-                <a:headEnd/>
-                <a:tailEnd/>
-              </a14:hiddenLine>
-            </a:ext>
-          </a:extLst>
+          <a:extLst/>
         </p:spPr>
         <p:txBody>
           <a:bodyPr vert="horz" wrap="square" lIns="91440" tIns="45720" rIns="91440" bIns="45720" numCol="1" anchor="t" anchorCtr="0" compatLnSpc="1">
@@ -23592,23 +23469,12 @@
             </a:pathLst>
           </a:custGeom>
           <a:solidFill>
-            <a:srgbClr val="D83B01"/>
+            <a:schemeClr val="accent1"/>
           </a:solidFill>
           <a:ln>
             <a:noFill/>
           </a:ln>
-          <a:extLst>
-            <a:ext uri="{91240B29-F687-4F45-9708-019B960494DF}">
-              <a14:hiddenLine xmlns:a14="http://schemas.microsoft.com/office/drawing/2010/main" w="9525">
-                <a:solidFill>
-                  <a:srgbClr val="000000"/>
-                </a:solidFill>
-                <a:round/>
-                <a:headEnd/>
-                <a:tailEnd/>
-              </a14:hiddenLine>
-            </a:ext>
-          </a:extLst>
+          <a:extLst/>
         </p:spPr>
         <p:txBody>
           <a:bodyPr vert="horz" wrap="square" lIns="91440" tIns="45720" rIns="91440" bIns="45720" numCol="1" anchor="t" anchorCtr="0" compatLnSpc="1">
@@ -23789,23 +23655,12 @@
             </a:pathLst>
           </a:custGeom>
           <a:solidFill>
-            <a:srgbClr val="D83B01"/>
+            <a:schemeClr val="accent1"/>
           </a:solidFill>
           <a:ln>
             <a:noFill/>
           </a:ln>
-          <a:extLst>
-            <a:ext uri="{91240B29-F687-4F45-9708-019B960494DF}">
-              <a14:hiddenLine xmlns:a14="http://schemas.microsoft.com/office/drawing/2010/main" w="9525">
-                <a:solidFill>
-                  <a:srgbClr val="000000"/>
-                </a:solidFill>
-                <a:round/>
-                <a:headEnd/>
-                <a:tailEnd/>
-              </a14:hiddenLine>
-            </a:ext>
-          </a:extLst>
+          <a:extLst/>
         </p:spPr>
         <p:txBody>
           <a:bodyPr vert="horz" wrap="square" lIns="91440" tIns="45720" rIns="91440" bIns="45720" numCol="1" anchor="t" anchorCtr="0" compatLnSpc="1">
@@ -23986,23 +23841,12 @@
             </a:pathLst>
           </a:custGeom>
           <a:solidFill>
-            <a:srgbClr val="D83B01"/>
+            <a:schemeClr val="accent1"/>
           </a:solidFill>
           <a:ln>
             <a:noFill/>
           </a:ln>
-          <a:extLst>
-            <a:ext uri="{91240B29-F687-4F45-9708-019B960494DF}">
-              <a14:hiddenLine xmlns:a14="http://schemas.microsoft.com/office/drawing/2010/main" w="9525">
-                <a:solidFill>
-                  <a:srgbClr val="000000"/>
-                </a:solidFill>
-                <a:round/>
-                <a:headEnd/>
-                <a:tailEnd/>
-              </a14:hiddenLine>
-            </a:ext>
-          </a:extLst>
+          <a:extLst/>
         </p:spPr>
         <p:txBody>
           <a:bodyPr vert="horz" wrap="square" lIns="91440" tIns="45720" rIns="91440" bIns="45720" numCol="1" anchor="t" anchorCtr="0" compatLnSpc="1">
@@ -24183,23 +24027,12 @@
             </a:pathLst>
           </a:custGeom>
           <a:solidFill>
-            <a:srgbClr val="D83B01"/>
+            <a:schemeClr val="accent1"/>
           </a:solidFill>
           <a:ln>
             <a:noFill/>
           </a:ln>
-          <a:extLst>
-            <a:ext uri="{91240B29-F687-4F45-9708-019B960494DF}">
-              <a14:hiddenLine xmlns:a14="http://schemas.microsoft.com/office/drawing/2010/main" w="9525">
-                <a:solidFill>
-                  <a:srgbClr val="000000"/>
-                </a:solidFill>
-                <a:round/>
-                <a:headEnd/>
-                <a:tailEnd/>
-              </a14:hiddenLine>
-            </a:ext>
-          </a:extLst>
+          <a:extLst/>
         </p:spPr>
         <p:txBody>
           <a:bodyPr vert="horz" wrap="square" lIns="91440" tIns="45720" rIns="91440" bIns="45720" numCol="1" anchor="t" anchorCtr="0" compatLnSpc="1">
@@ -24380,23 +24213,12 @@
             </a:pathLst>
           </a:custGeom>
           <a:solidFill>
-            <a:srgbClr val="D83B01"/>
+            <a:schemeClr val="accent1"/>
           </a:solidFill>
           <a:ln>
             <a:noFill/>
           </a:ln>
-          <a:extLst>
-            <a:ext uri="{91240B29-F687-4F45-9708-019B960494DF}">
-              <a14:hiddenLine xmlns:a14="http://schemas.microsoft.com/office/drawing/2010/main" w="9525">
-                <a:solidFill>
-                  <a:srgbClr val="000000"/>
-                </a:solidFill>
-                <a:round/>
-                <a:headEnd/>
-                <a:tailEnd/>
-              </a14:hiddenLine>
-            </a:ext>
-          </a:extLst>
+          <a:extLst/>
         </p:spPr>
         <p:txBody>
           <a:bodyPr vert="horz" wrap="square" lIns="91440" tIns="45720" rIns="91440" bIns="45720" numCol="1" anchor="t" anchorCtr="0" compatLnSpc="1">
@@ -24577,23 +24399,12 @@
             </a:pathLst>
           </a:custGeom>
           <a:solidFill>
-            <a:srgbClr val="D83B01"/>
+            <a:schemeClr val="accent1"/>
           </a:solidFill>
           <a:ln>
             <a:noFill/>
           </a:ln>
-          <a:extLst>
-            <a:ext uri="{91240B29-F687-4F45-9708-019B960494DF}">
-              <a14:hiddenLine xmlns:a14="http://schemas.microsoft.com/office/drawing/2010/main" w="9525">
-                <a:solidFill>
-                  <a:srgbClr val="000000"/>
-                </a:solidFill>
-                <a:round/>
-                <a:headEnd/>
-                <a:tailEnd/>
-              </a14:hiddenLine>
-            </a:ext>
-          </a:extLst>
+          <a:extLst/>
         </p:spPr>
         <p:txBody>
           <a:bodyPr vert="horz" wrap="square" lIns="91440" tIns="45720" rIns="91440" bIns="45720" numCol="1" anchor="t" anchorCtr="0" compatLnSpc="1">
@@ -24774,23 +24585,12 @@
             </a:pathLst>
           </a:custGeom>
           <a:solidFill>
-            <a:srgbClr val="D83B01"/>
+            <a:schemeClr val="accent1"/>
           </a:solidFill>
           <a:ln>
             <a:noFill/>
           </a:ln>
-          <a:extLst>
-            <a:ext uri="{91240B29-F687-4F45-9708-019B960494DF}">
-              <a14:hiddenLine xmlns:a14="http://schemas.microsoft.com/office/drawing/2010/main" w="9525">
-                <a:solidFill>
-                  <a:srgbClr val="000000"/>
-                </a:solidFill>
-                <a:round/>
-                <a:headEnd/>
-                <a:tailEnd/>
-              </a14:hiddenLine>
-            </a:ext>
-          </a:extLst>
+          <a:extLst/>
         </p:spPr>
         <p:txBody>
           <a:bodyPr vert="horz" wrap="square" lIns="91440" tIns="45720" rIns="91440" bIns="45720" numCol="1" anchor="t" anchorCtr="0" compatLnSpc="1">
@@ -24971,23 +24771,12 @@
             </a:pathLst>
           </a:custGeom>
           <a:solidFill>
-            <a:srgbClr val="D83B01"/>
+            <a:schemeClr val="accent1"/>
           </a:solidFill>
           <a:ln>
             <a:noFill/>
           </a:ln>
-          <a:extLst>
-            <a:ext uri="{91240B29-F687-4F45-9708-019B960494DF}">
-              <a14:hiddenLine xmlns:a14="http://schemas.microsoft.com/office/drawing/2010/main" w="9525">
-                <a:solidFill>
-                  <a:srgbClr val="000000"/>
-                </a:solidFill>
-                <a:round/>
-                <a:headEnd/>
-                <a:tailEnd/>
-              </a14:hiddenLine>
-            </a:ext>
-          </a:extLst>
+          <a:extLst/>
         </p:spPr>
         <p:txBody>
           <a:bodyPr vert="horz" wrap="square" lIns="91440" tIns="45720" rIns="91440" bIns="45720" numCol="1" anchor="t" anchorCtr="0" compatLnSpc="1">
@@ -25168,23 +24957,12 @@
             </a:pathLst>
           </a:custGeom>
           <a:solidFill>
-            <a:srgbClr val="D83B01"/>
+            <a:schemeClr val="accent1"/>
           </a:solidFill>
           <a:ln>
             <a:noFill/>
           </a:ln>
-          <a:extLst>
-            <a:ext uri="{91240B29-F687-4F45-9708-019B960494DF}">
-              <a14:hiddenLine xmlns:a14="http://schemas.microsoft.com/office/drawing/2010/main" w="9525">
-                <a:solidFill>
-                  <a:srgbClr val="000000"/>
-                </a:solidFill>
-                <a:round/>
-                <a:headEnd/>
-                <a:tailEnd/>
-              </a14:hiddenLine>
-            </a:ext>
-          </a:extLst>
+          <a:extLst/>
         </p:spPr>
         <p:txBody>
           <a:bodyPr vert="horz" wrap="square" lIns="91440" tIns="45720" rIns="91440" bIns="45720" numCol="1" anchor="t" anchorCtr="0" compatLnSpc="1">
@@ -25365,23 +25143,12 @@
             </a:pathLst>
           </a:custGeom>
           <a:solidFill>
-            <a:srgbClr val="D83B01"/>
+            <a:schemeClr val="accent1"/>
           </a:solidFill>
           <a:ln>
             <a:noFill/>
           </a:ln>
-          <a:extLst>
-            <a:ext uri="{91240B29-F687-4F45-9708-019B960494DF}">
-              <a14:hiddenLine xmlns:a14="http://schemas.microsoft.com/office/drawing/2010/main" w="9525">
-                <a:solidFill>
-                  <a:srgbClr val="000000"/>
-                </a:solidFill>
-                <a:round/>
-                <a:headEnd/>
-                <a:tailEnd/>
-              </a14:hiddenLine>
-            </a:ext>
-          </a:extLst>
+          <a:extLst/>
         </p:spPr>
         <p:txBody>
           <a:bodyPr vert="horz" wrap="square" lIns="91440" tIns="45720" rIns="91440" bIns="45720" numCol="1" anchor="t" anchorCtr="0" compatLnSpc="1">
@@ -25562,23 +25329,12 @@
             </a:pathLst>
           </a:custGeom>
           <a:solidFill>
-            <a:srgbClr val="D83B01"/>
+            <a:schemeClr val="accent1"/>
           </a:solidFill>
           <a:ln>
             <a:noFill/>
           </a:ln>
-          <a:extLst>
-            <a:ext uri="{91240B29-F687-4F45-9708-019B960494DF}">
-              <a14:hiddenLine xmlns:a14="http://schemas.microsoft.com/office/drawing/2010/main" w="9525">
-                <a:solidFill>
-                  <a:srgbClr val="000000"/>
-                </a:solidFill>
-                <a:round/>
-                <a:headEnd/>
-                <a:tailEnd/>
-              </a14:hiddenLine>
-            </a:ext>
-          </a:extLst>
+          <a:extLst/>
         </p:spPr>
         <p:txBody>
           <a:bodyPr vert="horz" wrap="square" lIns="91440" tIns="45720" rIns="91440" bIns="45720" numCol="1" anchor="t" anchorCtr="0" compatLnSpc="1">
@@ -25759,23 +25515,12 @@
             </a:pathLst>
           </a:custGeom>
           <a:solidFill>
-            <a:srgbClr val="D83B01"/>
+            <a:schemeClr val="accent1"/>
           </a:solidFill>
           <a:ln>
             <a:noFill/>
           </a:ln>
-          <a:extLst>
-            <a:ext uri="{91240B29-F687-4F45-9708-019B960494DF}">
-              <a14:hiddenLine xmlns:a14="http://schemas.microsoft.com/office/drawing/2010/main" w="9525">
-                <a:solidFill>
-                  <a:srgbClr val="000000"/>
-                </a:solidFill>
-                <a:round/>
-                <a:headEnd/>
-                <a:tailEnd/>
-              </a14:hiddenLine>
-            </a:ext>
-          </a:extLst>
+          <a:extLst/>
         </p:spPr>
         <p:txBody>
           <a:bodyPr vert="horz" wrap="square" lIns="91440" tIns="45720" rIns="91440" bIns="45720" numCol="1" anchor="t" anchorCtr="0" compatLnSpc="1">
@@ -25956,23 +25701,12 @@
             </a:pathLst>
           </a:custGeom>
           <a:solidFill>
-            <a:srgbClr val="D83B01"/>
+            <a:schemeClr val="accent1"/>
           </a:solidFill>
           <a:ln>
             <a:noFill/>
           </a:ln>
-          <a:extLst>
-            <a:ext uri="{91240B29-F687-4F45-9708-019B960494DF}">
-              <a14:hiddenLine xmlns:a14="http://schemas.microsoft.com/office/drawing/2010/main" w="9525">
-                <a:solidFill>
-                  <a:srgbClr val="000000"/>
-                </a:solidFill>
-                <a:round/>
-                <a:headEnd/>
-                <a:tailEnd/>
-              </a14:hiddenLine>
-            </a:ext>
-          </a:extLst>
+          <a:extLst/>
         </p:spPr>
         <p:txBody>
           <a:bodyPr vert="horz" wrap="square" lIns="91440" tIns="45720" rIns="91440" bIns="45720" numCol="1" anchor="t" anchorCtr="0" compatLnSpc="1">
@@ -26153,23 +25887,12 @@
             </a:pathLst>
           </a:custGeom>
           <a:solidFill>
-            <a:srgbClr val="D83B01"/>
+            <a:schemeClr val="accent1"/>
           </a:solidFill>
           <a:ln>
             <a:noFill/>
           </a:ln>
-          <a:extLst>
-            <a:ext uri="{91240B29-F687-4F45-9708-019B960494DF}">
-              <a14:hiddenLine xmlns:a14="http://schemas.microsoft.com/office/drawing/2010/main" w="9525">
-                <a:solidFill>
-                  <a:srgbClr val="000000"/>
-                </a:solidFill>
-                <a:round/>
-                <a:headEnd/>
-                <a:tailEnd/>
-              </a14:hiddenLine>
-            </a:ext>
-          </a:extLst>
+          <a:extLst/>
         </p:spPr>
         <p:txBody>
           <a:bodyPr vert="horz" wrap="square" lIns="91440" tIns="45720" rIns="91440" bIns="45720" numCol="1" anchor="t" anchorCtr="0" compatLnSpc="1">
@@ -26350,23 +26073,12 @@
             </a:pathLst>
           </a:custGeom>
           <a:solidFill>
-            <a:srgbClr val="D83B01"/>
+            <a:schemeClr val="accent1"/>
           </a:solidFill>
           <a:ln>
             <a:noFill/>
           </a:ln>
-          <a:extLst>
-            <a:ext uri="{91240B29-F687-4F45-9708-019B960494DF}">
-              <a14:hiddenLine xmlns:a14="http://schemas.microsoft.com/office/drawing/2010/main" w="9525">
-                <a:solidFill>
-                  <a:srgbClr val="000000"/>
-                </a:solidFill>
-                <a:round/>
-                <a:headEnd/>
-                <a:tailEnd/>
-              </a14:hiddenLine>
-            </a:ext>
-          </a:extLst>
+          <a:extLst/>
         </p:spPr>
         <p:txBody>
           <a:bodyPr vert="horz" wrap="square" lIns="91440" tIns="45720" rIns="91440" bIns="45720" numCol="1" anchor="t" anchorCtr="0" compatLnSpc="1">
@@ -27495,7 +27207,15 @@
           <p:nvPr/>
         </p:nvPicPr>
         <p:blipFill>
-          <a:blip r:embed="rId3"/>
+          <a:blip r:embed="rId3">
+            <a:duotone>
+              <a:prstClr val="black"/>
+              <a:schemeClr val="accent1">
+                <a:tint val="45000"/>
+                <a:satMod val="400000"/>
+              </a:schemeClr>
+            </a:duotone>
+          </a:blip>
           <a:stretch>
             <a:fillRect/>
           </a:stretch>
@@ -27519,7 +27239,15 @@
           <p:nvPr/>
         </p:nvPicPr>
         <p:blipFill>
-          <a:blip r:embed="rId4"/>
+          <a:blip r:embed="rId4">
+            <a:duotone>
+              <a:schemeClr val="accent1">
+                <a:shade val="45000"/>
+                <a:satMod val="135000"/>
+              </a:schemeClr>
+              <a:prstClr val="white"/>
+            </a:duotone>
+          </a:blip>
           <a:stretch>
             <a:fillRect/>
           </a:stretch>
@@ -28816,6 +28544,104 @@
       </p:grpSpPr>
       <p:sp>
         <p:nvSpPr>
+          <p:cNvPr id="3" name="Title 2">
+            <a:extLst>
+              <a:ext uri="{FF2B5EF4-FFF2-40B4-BE49-F238E27FC236}">
+                <a16:creationId xmlns:a16="http://schemas.microsoft.com/office/drawing/2014/main" id="{786F511C-63FE-4977-B853-73468A865B73}"/>
+              </a:ext>
+            </a:extLst>
+          </p:cNvPr>
+          <p:cNvSpPr>
+            <a:spLocks noGrp="1"/>
+          </p:cNvSpPr>
+          <p:nvPr>
+            <p:ph type="title"/>
+          </p:nvPr>
+        </p:nvSpPr>
+        <p:spPr/>
+        <p:txBody>
+          <a:bodyPr/>
+          <a:lstStyle/>
+          <a:p>
+            <a:r>
+              <a:rPr lang="en-US" dirty="0"/>
+              <a:t>DEMO</a:t>
+            </a:r>
+          </a:p>
+        </p:txBody>
+      </p:sp>
+      <p:sp>
+        <p:nvSpPr>
+          <p:cNvPr id="4" name="Text Placeholder 3">
+            <a:extLst>
+              <a:ext uri="{FF2B5EF4-FFF2-40B4-BE49-F238E27FC236}">
+                <a16:creationId xmlns:a16="http://schemas.microsoft.com/office/drawing/2014/main" id="{05307E29-CD57-4B1B-8721-C4A4E3E4C746}"/>
+              </a:ext>
+            </a:extLst>
+          </p:cNvPr>
+          <p:cNvSpPr>
+            <a:spLocks noGrp="1"/>
+          </p:cNvSpPr>
+          <p:nvPr>
+            <p:ph type="body" sz="quarter" idx="12"/>
+          </p:nvPr>
+        </p:nvSpPr>
+        <p:spPr/>
+        <p:txBody>
+          <a:bodyPr/>
+          <a:lstStyle/>
+          <a:p>
+            <a:r>
+              <a:rPr lang="en-US" dirty="0"/>
+              <a:t>Latest update from Research and Development team</a:t>
+            </a:r>
+          </a:p>
+        </p:txBody>
+      </p:sp>
+    </p:spTree>
+    <p:extLst>
+      <p:ext uri="{BB962C8B-B14F-4D97-AF65-F5344CB8AC3E}">
+        <p14:creationId xmlns:p14="http://schemas.microsoft.com/office/powerpoint/2010/main" val="1057643958"/>
+      </p:ext>
+    </p:extLst>
+  </p:cSld>
+  <p:clrMapOvr>
+    <a:masterClrMapping/>
+  </p:clrMapOvr>
+  <mc:AlternateContent xmlns:mc="http://schemas.openxmlformats.org/markup-compatibility/2006" xmlns:p14="http://schemas.microsoft.com/office/powerpoint/2010/main">
+    <mc:Choice Requires="p14">
+      <p:transition spd="slow" p14:dur="3400">
+        <p14:reveal/>
+      </p:transition>
+    </mc:Choice>
+    <mc:Fallback xmlns="">
+      <p:transition spd="slow">
+        <p:fade/>
+      </p:transition>
+    </mc:Fallback>
+  </mc:AlternateContent>
+</p:sld>
+</file>
+
+<file path=ppt/slides/slide7.xml><?xml version="1.0" encoding="utf-8"?>
+<p:sld xmlns:a="http://schemas.openxmlformats.org/drawingml/2006/main" xmlns:r="http://schemas.openxmlformats.org/officeDocument/2006/relationships" xmlns:p="http://schemas.openxmlformats.org/presentationml/2006/main">
+  <p:cSld>
+    <p:spTree>
+      <p:nvGrpSpPr>
+        <p:cNvPr id="1" name=""/>
+        <p:cNvGrpSpPr/>
+        <p:nvPr/>
+      </p:nvGrpSpPr>
+      <p:grpSpPr>
+        <a:xfrm>
+          <a:off x="0" y="0"/>
+          <a:ext cx="0" cy="0"/>
+          <a:chOff x="0" y="0"/>
+          <a:chExt cx="0" cy="0"/>
+        </a:xfrm>
+      </p:grpSpPr>
+      <p:sp>
+        <p:nvSpPr>
           <p:cNvPr id="3" name="Title 2"/>
           <p:cNvSpPr>
             <a:spLocks noGrp="1"/>
@@ -28861,7 +28687,7 @@
 </p:sld>
 </file>
 
-<file path=ppt/slides/slide7.xml><?xml version="1.0" encoding="utf-8"?>
+<file path=ppt/slides/slide8.xml><?xml version="1.0" encoding="utf-8"?>
 <p:sld xmlns:a="http://schemas.openxmlformats.org/drawingml/2006/main" xmlns:r="http://schemas.openxmlformats.org/officeDocument/2006/relationships" xmlns:p="http://schemas.openxmlformats.org/presentationml/2006/main">
   <p:cSld>
     <p:spTree>
@@ -28906,7 +28732,7 @@
 <file path=ppt/theme/theme1.xml><?xml version="1.0" encoding="utf-8"?>
 <a:theme xmlns:a="http://schemas.openxmlformats.org/drawingml/2006/main" name="Office 365 PPT Template - 2017">
   <a:themeElements>
-    <a:clrScheme name="Custom 1">
+    <a:clrScheme name="Consoto Electronics HR">
       <a:dk1>
         <a:srgbClr val="2F2F2F"/>
       </a:dk1>
@@ -28920,7 +28746,7 @@
         <a:srgbClr val="FFFFFF"/>
       </a:lt2>
       <a:accent1>
-        <a:srgbClr val="FD6A02"/>
+        <a:srgbClr val="017E9D"/>
       </a:accent1>
       <a:accent2>
         <a:srgbClr val="2F2F2F"/>
@@ -28938,10 +28764,10 @@
         <a:srgbClr val="D2D2D2"/>
       </a:accent6>
       <a:hlink>
-        <a:srgbClr val="FD6A02"/>
+        <a:srgbClr val="017E9D"/>
       </a:hlink>
       <a:folHlink>
-        <a:srgbClr val="FD6A02"/>
+        <a:srgbClr val="017E9D"/>
       </a:folHlink>
     </a:clrScheme>
     <a:fontScheme name="Custom 25">
@@ -29772,12 +29598,21 @@
 </file>
 
 <file path=customXml/item1.xml><?xml version="1.0" encoding="utf-8"?>
+<?mso-contentType ?>
+<FormTemplates xmlns="http://schemas.microsoft.com/sharepoint/v3/contenttype/forms">
+  <Display>DocumentLibraryForm</Display>
+  <Edit>DocumentLibraryForm</Edit>
+  <New>DocumentLibraryForm</New>
+</FormTemplates>
+</file>
+
+<file path=customXml/item2.xml><?xml version="1.0" encoding="utf-8"?>
 <p:properties xmlns:p="http://schemas.microsoft.com/office/2006/metadata/properties" xmlns:xsi="http://www.w3.org/2001/XMLSchema-instance" xmlns:pc="http://schemas.microsoft.com/office/infopath/2007/PartnerControls">
   <documentManagement/>
 </p:properties>
 </file>
 
-<file path=customXml/item2.xml><?xml version="1.0" encoding="utf-8"?>
+<file path=customXml/item3.xml><?xml version="1.0" encoding="utf-8"?>
 <ct:contentTypeSchema xmlns:ct="http://schemas.microsoft.com/office/2006/metadata/contentType" xmlns:ma="http://schemas.microsoft.com/office/2006/metadata/properties/metaAttributes" ct:_="" ma:_="" ma:contentTypeName="Document" ma:contentTypeID="0x01010090FB13D1C689144BB5F9CE4432496FCB" ma:contentTypeVersion="8" ma:contentTypeDescription="Create a new document." ma:contentTypeScope="" ma:versionID="c449c8e8eb67d31aac7fc48d20e9dac7">
   <xsd:schema xmlns:xsd="http://www.w3.org/2001/XMLSchema" xmlns:xs="http://www.w3.org/2001/XMLSchema" xmlns:p="http://schemas.microsoft.com/office/2006/metadata/properties" xmlns:ns2="cf1a6e66-1f70-4758-bffa-fec7fdad6eba" xmlns:ns3="faf12e0e-2dae-4c79-960d-0c36bb039773" targetNamespace="http://schemas.microsoft.com/office/2006/metadata/properties" ma:root="true" ma:fieldsID="ff6d6a40c2947b310c963f42607ad7ca" ns2:_="" ns3:_="">
     <xsd:import namespace="cf1a6e66-1f70-4758-bffa-fec7fdad6eba"/>
@@ -29968,33 +29803,32 @@
 </ct:contentTypeSchema>
 </file>
 
-<file path=customXml/item3.xml><?xml version="1.0" encoding="utf-8"?>
-<?mso-contentType ?>
-<FormTemplates xmlns="http://schemas.microsoft.com/sharepoint/v3/contenttype/forms">
-  <Display>DocumentLibraryForm</Display>
-  <Edit>DocumentLibraryForm</Edit>
-  <New>DocumentLibraryForm</New>
-</FormTemplates>
-</file>
-
 <file path=customXml/itemProps1.xml><?xml version="1.0" encoding="utf-8"?>
-<ds:datastoreItem xmlns:ds="http://schemas.openxmlformats.org/officeDocument/2006/customXml" ds:itemID="{F990F116-B58F-4255-B05B-DA3808E0E5C6}">
+<ds:datastoreItem xmlns:ds="http://schemas.openxmlformats.org/officeDocument/2006/customXml" ds:itemID="{758FDAC0-319D-4A54-8D8E-1D42CB1F8004}">
   <ds:schemaRefs>
-    <ds:schemaRef ds:uri="http://schemas.microsoft.com/office/2006/documentManagement/types"/>
-    <ds:schemaRef ds:uri="http://schemas.microsoft.com/office/infopath/2007/PartnerControls"/>
-    <ds:schemaRef ds:uri="http://purl.org/dc/elements/1.1/"/>
-    <ds:schemaRef ds:uri="http://schemas.microsoft.com/office/2006/metadata/properties"/>
-    <ds:schemaRef ds:uri="cf1a6e66-1f70-4758-bffa-fec7fdad6eba"/>
-    <ds:schemaRef ds:uri="http://purl.org/dc/terms/"/>
-    <ds:schemaRef ds:uri="http://schemas.openxmlformats.org/package/2006/metadata/core-properties"/>
-    <ds:schemaRef ds:uri="faf12e0e-2dae-4c79-960d-0c36bb039773"/>
-    <ds:schemaRef ds:uri="http://www.w3.org/XML/1998/namespace"/>
-    <ds:schemaRef ds:uri="http://purl.org/dc/dcmitype/"/>
+    <ds:schemaRef ds:uri="http://schemas.microsoft.com/sharepoint/v3/contenttype/forms"/>
   </ds:schemaRefs>
 </ds:datastoreItem>
 </file>
 
 <file path=customXml/itemProps2.xml><?xml version="1.0" encoding="utf-8"?>
+<ds:datastoreItem xmlns:ds="http://schemas.openxmlformats.org/officeDocument/2006/customXml" ds:itemID="{F990F116-B58F-4255-B05B-DA3808E0E5C6}">
+  <ds:schemaRefs>
+    <ds:schemaRef ds:uri="http://schemas.microsoft.com/office/2006/metadata/properties"/>
+    <ds:schemaRef ds:uri="http://purl.org/dc/elements/1.1/"/>
+    <ds:schemaRef ds:uri="http://www.w3.org/XML/1998/namespace"/>
+    <ds:schemaRef ds:uri="http://purl.org/dc/dcmitype/"/>
+    <ds:schemaRef ds:uri="cf1a6e66-1f70-4758-bffa-fec7fdad6eba"/>
+    <ds:schemaRef ds:uri="http://schemas.openxmlformats.org/package/2006/metadata/core-properties"/>
+    <ds:schemaRef ds:uri="faf12e0e-2dae-4c79-960d-0c36bb039773"/>
+    <ds:schemaRef ds:uri="http://schemas.microsoft.com/office/2006/documentManagement/types"/>
+    <ds:schemaRef ds:uri="http://schemas.microsoft.com/office/infopath/2007/PartnerControls"/>
+    <ds:schemaRef ds:uri="http://purl.org/dc/terms/"/>
+  </ds:schemaRefs>
+</ds:datastoreItem>
+</file>
+
+<file path=customXml/itemProps3.xml><?xml version="1.0" encoding="utf-8"?>
 <ds:datastoreItem xmlns:ds="http://schemas.openxmlformats.org/officeDocument/2006/customXml" ds:itemID="{9A088D9C-33B1-4758-A800-0D272BE381E3}">
   <ds:schemaRefs>
     <ds:schemaRef ds:uri="http://schemas.microsoft.com/office/2006/metadata/contentType"/>
@@ -30011,12 +29845,4 @@
     <ds:schemaRef ds:uri="http://schemas.microsoft.com/internal/obd"/>
   </ds:schemaRefs>
 </ds:datastoreItem>
-</file>
-
-<file path=customXml/itemProps3.xml><?xml version="1.0" encoding="utf-8"?>
-<ds:datastoreItem xmlns:ds="http://schemas.openxmlformats.org/officeDocument/2006/customXml" ds:itemID="{758FDAC0-319D-4A54-8D8E-1D42CB1F8004}">
-  <ds:schemaRefs>
-    <ds:schemaRef ds:uri="http://schemas.microsoft.com/sharepoint/v3/contenttype/forms"/>
-  </ds:schemaRefs>
-</ds:datastoreItem>
 </file>